--- a/Docs/WeeklyDiscussionsW4.pptx
+++ b/Docs/WeeklyDiscussionsW4.pptx
@@ -5,16 +5,19 @@
     <p:sldMasterId id="2147483648" r:id="rId1"/>
   </p:sldMasterIdLst>
   <p:sldIdLst>
-    <p:sldId id="256" r:id="rId2"/>
-    <p:sldId id="257" r:id="rId3"/>
-    <p:sldId id="258" r:id="rId4"/>
-    <p:sldId id="259" r:id="rId5"/>
-    <p:sldId id="260" r:id="rId6"/>
-    <p:sldId id="261" r:id="rId7"/>
-    <p:sldId id="262" r:id="rId8"/>
-    <p:sldId id="263" r:id="rId9"/>
-    <p:sldId id="264" r:id="rId10"/>
-    <p:sldId id="265" r:id="rId11"/>
+    <p:sldId id="266" r:id="rId2"/>
+    <p:sldId id="256" r:id="rId3"/>
+    <p:sldId id="257" r:id="rId4"/>
+    <p:sldId id="258" r:id="rId5"/>
+    <p:sldId id="259" r:id="rId6"/>
+    <p:sldId id="260" r:id="rId7"/>
+    <p:sldId id="261" r:id="rId8"/>
+    <p:sldId id="262" r:id="rId9"/>
+    <p:sldId id="263" r:id="rId10"/>
+    <p:sldId id="264" r:id="rId11"/>
+    <p:sldId id="265" r:id="rId12"/>
+    <p:sldId id="268" r:id="rId13"/>
+    <p:sldId id="267" r:id="rId14"/>
   </p:sldIdLst>
   <p:sldSz cx="12192000" cy="6858000"/>
   <p:notesSz cx="6858000" cy="9144000"/>
@@ -1582,31 +1585,31 @@
     </dgm:pt>
   </dgm:ptLst>
   <dgm:cxnLst>
+    <dgm:cxn modelId="{18E2C36C-18A5-4080-917D-AE5572852988}" type="presOf" srcId="{5CAD51DE-0133-4FC9-956B-BA08C3B876B0}" destId="{68BD646D-7C43-4210-A0E5-CC2A60E9B8AA}" srcOrd="0" destOrd="1" presId="urn:microsoft.com/office/officeart/2005/8/layout/chevron2"/>
+    <dgm:cxn modelId="{44EA2CD4-C7A7-4BAC-8D1C-64789E9A8F31}" srcId="{FBF4FA3E-6D5E-40F2-AC04-3129802DF14A}" destId="{E9D2386E-523C-4847-961C-F50BE8D6DEE6}" srcOrd="2" destOrd="0" parTransId="{D701F48C-CF4F-4BB5-895A-1D3B63836ADD}" sibTransId="{A2D27862-8999-43C7-B2FE-E7C0DDA02E50}"/>
+    <dgm:cxn modelId="{70AB842E-9202-4807-80AB-659DB1D98BC6}" srcId="{E9D2386E-523C-4847-961C-F50BE8D6DEE6}" destId="{C7D47BAB-330A-4B6C-A6A6-AB1945D3603F}" srcOrd="0" destOrd="0" parTransId="{9B3F7512-9C2F-40B1-A4F2-D3767797D774}" sibTransId="{E89B1A48-0688-433E-97CF-7443D6EBFA48}"/>
+    <dgm:cxn modelId="{1512374E-DD66-4ABD-98EC-03C53C840AE5}" srcId="{0DD9F8F0-1CDA-407B-847F-7BEA5DEEFD35}" destId="{5CAD51DE-0133-4FC9-956B-BA08C3B876B0}" srcOrd="1" destOrd="0" parTransId="{CE5488FA-7982-449D-A1BF-021DCE169B78}" sibTransId="{A2717ABA-B2B0-4DAB-A9BE-6F1B248D913D}"/>
+    <dgm:cxn modelId="{CF6E0F2C-41D0-4252-AC27-543663673741}" type="presOf" srcId="{14A31C45-DC7C-4AF8-9FC1-BADAEABF1092}" destId="{1338E004-85D4-4D73-BAE0-C087B6647B7A}" srcOrd="0" destOrd="1" presId="urn:microsoft.com/office/officeart/2005/8/layout/chevron2"/>
+    <dgm:cxn modelId="{C278FAF3-EF57-499F-A4C6-79AA740DBE0C}" srcId="{77D3D651-181A-42C8-A281-E4E8FAC6343A}" destId="{BA7D8BD0-2210-4415-B29F-D26965789EA4}" srcOrd="0" destOrd="0" parTransId="{F833ED24-9456-489C-BA68-E943B40126D4}" sibTransId="{4DA7453A-94C2-4E6D-85FF-4D3285EB7E9C}"/>
+    <dgm:cxn modelId="{D5A7713E-27BA-4617-BFE0-E0097712BA67}" type="presOf" srcId="{57A57B00-5CA4-4984-8155-87C0357FA747}" destId="{1338E004-85D4-4D73-BAE0-C087B6647B7A}" srcOrd="0" destOrd="3" presId="urn:microsoft.com/office/officeart/2005/8/layout/chevron2"/>
+    <dgm:cxn modelId="{084DE75F-2C13-4246-8FFA-23726F2669D5}" type="presOf" srcId="{BA7D8BD0-2210-4415-B29F-D26965789EA4}" destId="{1338E004-85D4-4D73-BAE0-C087B6647B7A}" srcOrd="0" destOrd="0" presId="urn:microsoft.com/office/officeart/2005/8/layout/chevron2"/>
+    <dgm:cxn modelId="{044AB089-6D9B-4298-8ED9-0389AA03E5D8}" type="presOf" srcId="{C7D47BAB-330A-4B6C-A6A6-AB1945D3603F}" destId="{8DD246D1-0BB3-43A1-92D7-3F8D0D8AE311}" srcOrd="0" destOrd="0" presId="urn:microsoft.com/office/officeart/2005/8/layout/chevron2"/>
     <dgm:cxn modelId="{9B34F0E5-CEF0-4A31-9B0F-E67C9D15D640}" type="presOf" srcId="{2535445E-23E8-4DB7-8DC1-A1AF95B4D4CB}" destId="{1338E004-85D4-4D73-BAE0-C087B6647B7A}" srcOrd="0" destOrd="2" presId="urn:microsoft.com/office/officeart/2005/8/layout/chevron2"/>
-    <dgm:cxn modelId="{C278FAF3-EF57-499F-A4C6-79AA740DBE0C}" srcId="{77D3D651-181A-42C8-A281-E4E8FAC6343A}" destId="{BA7D8BD0-2210-4415-B29F-D26965789EA4}" srcOrd="0" destOrd="0" parTransId="{F833ED24-9456-489C-BA68-E943B40126D4}" sibTransId="{4DA7453A-94C2-4E6D-85FF-4D3285EB7E9C}"/>
-    <dgm:cxn modelId="{53B3C8A8-6E98-4DCC-9C94-83F9999DD877}" type="presOf" srcId="{77D3D651-181A-42C8-A281-E4E8FAC6343A}" destId="{A6BD6A27-7099-4E96-AE0C-FE9188D0BC85}" srcOrd="0" destOrd="0" presId="urn:microsoft.com/office/officeart/2005/8/layout/chevron2"/>
-    <dgm:cxn modelId="{CF6E0F2C-41D0-4252-AC27-543663673741}" type="presOf" srcId="{14A31C45-DC7C-4AF8-9FC1-BADAEABF1092}" destId="{1338E004-85D4-4D73-BAE0-C087B6647B7A}" srcOrd="0" destOrd="1" presId="urn:microsoft.com/office/officeart/2005/8/layout/chevron2"/>
-    <dgm:cxn modelId="{8EA1E7F1-63B9-4B29-85F7-A5850A910DAF}" srcId="{14A31C45-DC7C-4AF8-9FC1-BADAEABF1092}" destId="{2535445E-23E8-4DB7-8DC1-A1AF95B4D4CB}" srcOrd="0" destOrd="0" parTransId="{627B7E1D-4B3E-4086-BE92-FD102F4A96A3}" sibTransId="{3E8E9E27-D271-4F0C-ABC1-54E8F1A5C15B}"/>
-    <dgm:cxn modelId="{15A9D882-45B4-4BAD-A163-490B95B880D8}" srcId="{77D3D651-181A-42C8-A281-E4E8FAC6343A}" destId="{14A31C45-DC7C-4AF8-9FC1-BADAEABF1092}" srcOrd="1" destOrd="0" parTransId="{A87119EF-37E5-483C-8706-2563F40AB008}" sibTransId="{B2489589-2C91-452E-B817-DE59CFFFB280}"/>
-    <dgm:cxn modelId="{18E2C36C-18A5-4080-917D-AE5572852988}" type="presOf" srcId="{5CAD51DE-0133-4FC9-956B-BA08C3B876B0}" destId="{68BD646D-7C43-4210-A0E5-CC2A60E9B8AA}" srcOrd="0" destOrd="1" presId="urn:microsoft.com/office/officeart/2005/8/layout/chevron2"/>
-    <dgm:cxn modelId="{084DE75F-2C13-4246-8FFA-23726F2669D5}" type="presOf" srcId="{BA7D8BD0-2210-4415-B29F-D26965789EA4}" destId="{1338E004-85D4-4D73-BAE0-C087B6647B7A}" srcOrd="0" destOrd="0" presId="urn:microsoft.com/office/officeart/2005/8/layout/chevron2"/>
     <dgm:cxn modelId="{4FA5747E-1A3B-4B0C-BF01-547C240E945B}" type="presOf" srcId="{091038C3-F791-44E1-B4BC-1270D643F2D4}" destId="{68BD646D-7C43-4210-A0E5-CC2A60E9B8AA}" srcOrd="0" destOrd="0" presId="urn:microsoft.com/office/officeart/2005/8/layout/chevron2"/>
-    <dgm:cxn modelId="{9E7DEB12-147A-4B38-9BEF-5416CDD4B508}" type="presOf" srcId="{E9D2386E-523C-4847-961C-F50BE8D6DEE6}" destId="{3BB3D98D-A05E-4ADF-B422-A563A877A1B2}" srcOrd="0" destOrd="0" presId="urn:microsoft.com/office/officeart/2005/8/layout/chevron2"/>
-    <dgm:cxn modelId="{70AB842E-9202-4807-80AB-659DB1D98BC6}" srcId="{E9D2386E-523C-4847-961C-F50BE8D6DEE6}" destId="{C7D47BAB-330A-4B6C-A6A6-AB1945D3603F}" srcOrd="0" destOrd="0" parTransId="{9B3F7512-9C2F-40B1-A4F2-D3767797D774}" sibTransId="{E89B1A48-0688-433E-97CF-7443D6EBFA48}"/>
     <dgm:cxn modelId="{C2281C7B-91FD-43FB-94D4-33D011ECFF0B}" srcId="{14A31C45-DC7C-4AF8-9FC1-BADAEABF1092}" destId="{57A57B00-5CA4-4984-8155-87C0357FA747}" srcOrd="1" destOrd="0" parTransId="{12BCFE70-B471-414D-A514-1EC2EB926336}" sibTransId="{E9C2CD37-2401-4979-88F1-7DA194286F97}"/>
     <dgm:cxn modelId="{7E422813-1F2B-4EB7-B504-A20F5A80A8DC}" type="presOf" srcId="{F537D9B8-B10E-4060-B13F-31C0E48E9852}" destId="{8DD246D1-0BB3-43A1-92D7-3F8D0D8AE311}" srcOrd="0" destOrd="2" presId="urn:microsoft.com/office/officeart/2005/8/layout/chevron2"/>
+    <dgm:cxn modelId="{3C7EDFB2-C887-4252-BA3E-CFBFE49F283A}" type="presOf" srcId="{0DD9F8F0-1CDA-407B-847F-7BEA5DEEFD35}" destId="{135139A4-904D-4DF9-83B3-3901BDAE7603}" srcOrd="0" destOrd="0" presId="urn:microsoft.com/office/officeart/2005/8/layout/chevron2"/>
+    <dgm:cxn modelId="{8EA1E7F1-63B9-4B29-85F7-A5850A910DAF}" srcId="{14A31C45-DC7C-4AF8-9FC1-BADAEABF1092}" destId="{2535445E-23E8-4DB7-8DC1-A1AF95B4D4CB}" srcOrd="0" destOrd="0" parTransId="{627B7E1D-4B3E-4086-BE92-FD102F4A96A3}" sibTransId="{3E8E9E27-D271-4F0C-ABC1-54E8F1A5C15B}"/>
+    <dgm:cxn modelId="{5A8CAAAE-8DA9-4DEC-BD02-300DF5501255}" srcId="{0DD9F8F0-1CDA-407B-847F-7BEA5DEEFD35}" destId="{091038C3-F791-44E1-B4BC-1270D643F2D4}" srcOrd="0" destOrd="0" parTransId="{27D0CC26-F33D-4B09-8907-EFCE7555166D}" sibTransId="{1954256B-740B-4A3C-9544-738817D0D70E}"/>
+    <dgm:cxn modelId="{94DFCBD0-4A0E-4281-AFD7-01EAAB854E0B}" type="presOf" srcId="{A0F4E575-4F2F-4AD1-A376-912FF056339C}" destId="{8DD246D1-0BB3-43A1-92D7-3F8D0D8AE311}" srcOrd="0" destOrd="1" presId="urn:microsoft.com/office/officeart/2005/8/layout/chevron2"/>
+    <dgm:cxn modelId="{1305D090-4398-4926-B265-36C0A68F5FED}" type="presOf" srcId="{FBF4FA3E-6D5E-40F2-AC04-3129802DF14A}" destId="{943B780E-D024-46D0-934D-817CD687C1D7}" srcOrd="0" destOrd="0" presId="urn:microsoft.com/office/officeart/2005/8/layout/chevron2"/>
     <dgm:cxn modelId="{617B9387-B9F7-463B-B64B-30FB9DC40C71}" srcId="{E9D2386E-523C-4847-961C-F50BE8D6DEE6}" destId="{A0F4E575-4F2F-4AD1-A376-912FF056339C}" srcOrd="1" destOrd="0" parTransId="{04B9D3AC-447D-405D-AF53-04CD26E039D8}" sibTransId="{8E0F9B93-7874-4E91-BEDD-A5CF165370BB}"/>
-    <dgm:cxn modelId="{5A8CAAAE-8DA9-4DEC-BD02-300DF5501255}" srcId="{0DD9F8F0-1CDA-407B-847F-7BEA5DEEFD35}" destId="{091038C3-F791-44E1-B4BC-1270D643F2D4}" srcOrd="0" destOrd="0" parTransId="{27D0CC26-F33D-4B09-8907-EFCE7555166D}" sibTransId="{1954256B-740B-4A3C-9544-738817D0D70E}"/>
-    <dgm:cxn modelId="{D5A7713E-27BA-4617-BFE0-E0097712BA67}" type="presOf" srcId="{57A57B00-5CA4-4984-8155-87C0357FA747}" destId="{1338E004-85D4-4D73-BAE0-C087B6647B7A}" srcOrd="0" destOrd="3" presId="urn:microsoft.com/office/officeart/2005/8/layout/chevron2"/>
-    <dgm:cxn modelId="{94DFCBD0-4A0E-4281-AFD7-01EAAB854E0B}" type="presOf" srcId="{A0F4E575-4F2F-4AD1-A376-912FF056339C}" destId="{8DD246D1-0BB3-43A1-92D7-3F8D0D8AE311}" srcOrd="0" destOrd="1" presId="urn:microsoft.com/office/officeart/2005/8/layout/chevron2"/>
+    <dgm:cxn modelId="{9E7DEB12-147A-4B38-9BEF-5416CDD4B508}" type="presOf" srcId="{E9D2386E-523C-4847-961C-F50BE8D6DEE6}" destId="{3BB3D98D-A05E-4ADF-B422-A563A877A1B2}" srcOrd="0" destOrd="0" presId="urn:microsoft.com/office/officeart/2005/8/layout/chevron2"/>
+    <dgm:cxn modelId="{15A9D882-45B4-4BAD-A163-490B95B880D8}" srcId="{77D3D651-181A-42C8-A281-E4E8FAC6343A}" destId="{14A31C45-DC7C-4AF8-9FC1-BADAEABF1092}" srcOrd="1" destOrd="0" parTransId="{A87119EF-37E5-483C-8706-2563F40AB008}" sibTransId="{B2489589-2C91-452E-B817-DE59CFFFB280}"/>
+    <dgm:cxn modelId="{332D9705-4D29-4C88-8F68-790B2D963932}" srcId="{FBF4FA3E-6D5E-40F2-AC04-3129802DF14A}" destId="{0DD9F8F0-1CDA-407B-847F-7BEA5DEEFD35}" srcOrd="0" destOrd="0" parTransId="{0D1DB00D-6EC6-4D88-BF62-3641768FCD6A}" sibTransId="{A8B3D28F-9874-423B-A8DC-38297D506D91}"/>
+    <dgm:cxn modelId="{53B3C8A8-6E98-4DCC-9C94-83F9999DD877}" type="presOf" srcId="{77D3D651-181A-42C8-A281-E4E8FAC6343A}" destId="{A6BD6A27-7099-4E96-AE0C-FE9188D0BC85}" srcOrd="0" destOrd="0" presId="urn:microsoft.com/office/officeart/2005/8/layout/chevron2"/>
+    <dgm:cxn modelId="{E18090EB-851A-4BD9-B025-880258ECD84F}" srcId="{A0F4E575-4F2F-4AD1-A376-912FF056339C}" destId="{F537D9B8-B10E-4060-B13F-31C0E48E9852}" srcOrd="0" destOrd="0" parTransId="{CA30178D-3CF1-455F-A27C-62BB449D961E}" sibTransId="{96540996-9AF3-4735-AA7C-00CFE7A64950}"/>
     <dgm:cxn modelId="{B5D52CA6-FA77-44C2-8C07-F795682DEECC}" srcId="{FBF4FA3E-6D5E-40F2-AC04-3129802DF14A}" destId="{77D3D651-181A-42C8-A281-E4E8FAC6343A}" srcOrd="1" destOrd="0" parTransId="{0EE725E7-2838-4675-845C-68CD57A06510}" sibTransId="{4716D556-7475-4DEC-9F96-5B457B3033BD}"/>
-    <dgm:cxn modelId="{1305D090-4398-4926-B265-36C0A68F5FED}" type="presOf" srcId="{FBF4FA3E-6D5E-40F2-AC04-3129802DF14A}" destId="{943B780E-D024-46D0-934D-817CD687C1D7}" srcOrd="0" destOrd="0" presId="urn:microsoft.com/office/officeart/2005/8/layout/chevron2"/>
-    <dgm:cxn modelId="{332D9705-4D29-4C88-8F68-790B2D963932}" srcId="{FBF4FA3E-6D5E-40F2-AC04-3129802DF14A}" destId="{0DD9F8F0-1CDA-407B-847F-7BEA5DEEFD35}" srcOrd="0" destOrd="0" parTransId="{0D1DB00D-6EC6-4D88-BF62-3641768FCD6A}" sibTransId="{A8B3D28F-9874-423B-A8DC-38297D506D91}"/>
-    <dgm:cxn modelId="{3C7EDFB2-C887-4252-BA3E-CFBFE49F283A}" type="presOf" srcId="{0DD9F8F0-1CDA-407B-847F-7BEA5DEEFD35}" destId="{135139A4-904D-4DF9-83B3-3901BDAE7603}" srcOrd="0" destOrd="0" presId="urn:microsoft.com/office/officeart/2005/8/layout/chevron2"/>
-    <dgm:cxn modelId="{044AB089-6D9B-4298-8ED9-0389AA03E5D8}" type="presOf" srcId="{C7D47BAB-330A-4B6C-A6A6-AB1945D3603F}" destId="{8DD246D1-0BB3-43A1-92D7-3F8D0D8AE311}" srcOrd="0" destOrd="0" presId="urn:microsoft.com/office/officeart/2005/8/layout/chevron2"/>
-    <dgm:cxn modelId="{1512374E-DD66-4ABD-98EC-03C53C840AE5}" srcId="{0DD9F8F0-1CDA-407B-847F-7BEA5DEEFD35}" destId="{5CAD51DE-0133-4FC9-956B-BA08C3B876B0}" srcOrd="1" destOrd="0" parTransId="{CE5488FA-7982-449D-A1BF-021DCE169B78}" sibTransId="{A2717ABA-B2B0-4DAB-A9BE-6F1B248D913D}"/>
-    <dgm:cxn modelId="{E18090EB-851A-4BD9-B025-880258ECD84F}" srcId="{A0F4E575-4F2F-4AD1-A376-912FF056339C}" destId="{F537D9B8-B10E-4060-B13F-31C0E48E9852}" srcOrd="0" destOrd="0" parTransId="{CA30178D-3CF1-455F-A27C-62BB449D961E}" sibTransId="{96540996-9AF3-4735-AA7C-00CFE7A64950}"/>
-    <dgm:cxn modelId="{44EA2CD4-C7A7-4BAC-8D1C-64789E9A8F31}" srcId="{FBF4FA3E-6D5E-40F2-AC04-3129802DF14A}" destId="{E9D2386E-523C-4847-961C-F50BE8D6DEE6}" srcOrd="2" destOrd="0" parTransId="{D701F48C-CF4F-4BB5-895A-1D3B63836ADD}" sibTransId="{A2D27862-8999-43C7-B2FE-E7C0DDA02E50}"/>
     <dgm:cxn modelId="{83517FB9-7A8A-4331-8F76-F3BA71BA1FFD}" type="presParOf" srcId="{943B780E-D024-46D0-934D-817CD687C1D7}" destId="{9D36FC44-6EFB-495C-98CD-72C1E4DA2ADC}" srcOrd="0" destOrd="0" presId="urn:microsoft.com/office/officeart/2005/8/layout/chevron2"/>
     <dgm:cxn modelId="{A06A4612-3A26-40F4-8BC1-D1A53E03F245}" type="presParOf" srcId="{9D36FC44-6EFB-495C-98CD-72C1E4DA2ADC}" destId="{135139A4-904D-4DF9-83B3-3901BDAE7603}" srcOrd="0" destOrd="0" presId="urn:microsoft.com/office/officeart/2005/8/layout/chevron2"/>
     <dgm:cxn modelId="{953022C9-F8F3-4A00-8167-C822D9CA4056}" type="presParOf" srcId="{9D36FC44-6EFB-495C-98CD-72C1E4DA2ADC}" destId="{68BD646D-7C43-4210-A0E5-CC2A60E9B8AA}" srcOrd="1" destOrd="0" presId="urn:microsoft.com/office/officeart/2005/8/layout/chevron2"/>
@@ -6494,6 +6497,608 @@
           <a:chExt cx="0" cy="0"/>
         </a:xfrm>
       </p:grpSpPr>
+      <p:sp>
+        <p:nvSpPr>
+          <p:cNvPr id="4" name="TextBox 3"/>
+          <p:cNvSpPr txBox="1"/>
+          <p:nvPr/>
+        </p:nvSpPr>
+        <p:spPr>
+          <a:xfrm>
+            <a:off x="0" y="2613392"/>
+            <a:ext cx="12192000" cy="1631216"/>
+          </a:xfrm>
+          <a:prstGeom prst="rect">
+            <a:avLst/>
+          </a:prstGeom>
+          <a:noFill/>
+        </p:spPr>
+        <p:txBody>
+          <a:bodyPr wrap="square" rtlCol="0">
+            <a:spAutoFit/>
+          </a:bodyPr>
+          <a:lstStyle/>
+          <a:p>
+            <a:pPr algn="ctr"/>
+            <a:r>
+              <a:rPr lang="nl-BE" sz="10000" dirty="0" smtClean="0">
+                <a:latin typeface="Dotum" panose="020B0600000101010101" pitchFamily="34" charset="-127"/>
+                <a:ea typeface="Dotum" panose="020B0600000101010101" pitchFamily="34" charset="-127"/>
+              </a:rPr>
+              <a:t>WEEK 4</a:t>
+            </a:r>
+            <a:endParaRPr lang="nl-BE" sz="10000" dirty="0">
+              <a:latin typeface="Dotum" panose="020B0600000101010101" pitchFamily="34" charset="-127"/>
+              <a:ea typeface="Dotum" panose="020B0600000101010101" pitchFamily="34" charset="-127"/>
+            </a:endParaRPr>
+          </a:p>
+        </p:txBody>
+      </p:sp>
+    </p:spTree>
+    <p:extLst>
+      <p:ext uri="{BB962C8B-B14F-4D97-AF65-F5344CB8AC3E}">
+        <p14:creationId xmlns:p14="http://schemas.microsoft.com/office/powerpoint/2010/main" val="691770938"/>
+      </p:ext>
+    </p:extLst>
+  </p:cSld>
+  <p:clrMapOvr>
+    <a:masterClrMapping/>
+  </p:clrMapOvr>
+  <p:timing>
+    <p:tnLst>
+      <p:par>
+        <p:cTn id="1" dur="indefinite" restart="never" nodeType="tmRoot"/>
+      </p:par>
+    </p:tnLst>
+  </p:timing>
+</p:sld>
+</file>
+
+<file path=ppt/slides/slide10.xml><?xml version="1.0" encoding="utf-8"?>
+<p:sld xmlns:a="http://schemas.openxmlformats.org/drawingml/2006/main" xmlns:r="http://schemas.openxmlformats.org/officeDocument/2006/relationships" xmlns:p="http://schemas.openxmlformats.org/presentationml/2006/main">
+  <p:cSld>
+    <p:spTree>
+      <p:nvGrpSpPr>
+        <p:cNvPr id="1" name=""/>
+        <p:cNvGrpSpPr/>
+        <p:nvPr/>
+      </p:nvGrpSpPr>
+      <p:grpSpPr>
+        <a:xfrm>
+          <a:off x="0" y="0"/>
+          <a:ext cx="0" cy="0"/>
+          <a:chOff x="0" y="0"/>
+          <a:chExt cx="0" cy="0"/>
+        </a:xfrm>
+      </p:grpSpPr>
+      <p:sp>
+        <p:nvSpPr>
+          <p:cNvPr id="4" name="TextBox 3"/>
+          <p:cNvSpPr txBox="1"/>
+          <p:nvPr/>
+        </p:nvSpPr>
+        <p:spPr>
+          <a:xfrm>
+            <a:off x="0" y="2613392"/>
+            <a:ext cx="12192000" cy="1631216"/>
+          </a:xfrm>
+          <a:prstGeom prst="rect">
+            <a:avLst/>
+          </a:prstGeom>
+          <a:noFill/>
+        </p:spPr>
+        <p:txBody>
+          <a:bodyPr wrap="square" rtlCol="0">
+            <a:spAutoFit/>
+          </a:bodyPr>
+          <a:lstStyle/>
+          <a:p>
+            <a:pPr algn="ctr"/>
+            <a:r>
+              <a:rPr lang="nl-BE" sz="10000" dirty="0" smtClean="0">
+                <a:latin typeface="Dotum" panose="020B0600000101010101" pitchFamily="34" charset="-127"/>
+                <a:ea typeface="Dotum" panose="020B0600000101010101" pitchFamily="34" charset="-127"/>
+              </a:rPr>
+              <a:t>Firewall</a:t>
+            </a:r>
+            <a:endParaRPr lang="nl-BE" sz="10000" dirty="0">
+              <a:latin typeface="Dotum" panose="020B0600000101010101" pitchFamily="34" charset="-127"/>
+              <a:ea typeface="Dotum" panose="020B0600000101010101" pitchFamily="34" charset="-127"/>
+            </a:endParaRPr>
+          </a:p>
+        </p:txBody>
+      </p:sp>
+    </p:spTree>
+    <p:extLst>
+      <p:ext uri="{BB962C8B-B14F-4D97-AF65-F5344CB8AC3E}">
+        <p14:creationId xmlns:p14="http://schemas.microsoft.com/office/powerpoint/2010/main" val="3091420239"/>
+      </p:ext>
+    </p:extLst>
+  </p:cSld>
+  <p:clrMapOvr>
+    <a:masterClrMapping/>
+  </p:clrMapOvr>
+  <p:timing>
+    <p:tnLst>
+      <p:par>
+        <p:cTn id="1" dur="indefinite" restart="never" nodeType="tmRoot"/>
+      </p:par>
+    </p:tnLst>
+  </p:timing>
+</p:sld>
+</file>
+
+<file path=ppt/slides/slide11.xml><?xml version="1.0" encoding="utf-8"?>
+<p:sld xmlns:a="http://schemas.openxmlformats.org/drawingml/2006/main" xmlns:r="http://schemas.openxmlformats.org/officeDocument/2006/relationships" xmlns:p="http://schemas.openxmlformats.org/presentationml/2006/main">
+  <p:cSld>
+    <p:spTree>
+      <p:nvGrpSpPr>
+        <p:cNvPr id="1" name=""/>
+        <p:cNvGrpSpPr/>
+        <p:nvPr/>
+      </p:nvGrpSpPr>
+      <p:grpSpPr>
+        <a:xfrm>
+          <a:off x="0" y="0"/>
+          <a:ext cx="0" cy="0"/>
+          <a:chOff x="0" y="0"/>
+          <a:chExt cx="0" cy="0"/>
+        </a:xfrm>
+      </p:grpSpPr>
+      <p:sp>
+        <p:nvSpPr>
+          <p:cNvPr id="4" name="TextBox 3"/>
+          <p:cNvSpPr txBox="1"/>
+          <p:nvPr/>
+        </p:nvSpPr>
+        <p:spPr>
+          <a:xfrm>
+            <a:off x="1169935" y="1443841"/>
+            <a:ext cx="9852130" cy="3970318"/>
+          </a:xfrm>
+          <a:prstGeom prst="rect">
+            <a:avLst/>
+          </a:prstGeom>
+          <a:noFill/>
+        </p:spPr>
+        <p:txBody>
+          <a:bodyPr wrap="square" rtlCol="0">
+            <a:spAutoFit/>
+          </a:bodyPr>
+          <a:lstStyle/>
+          <a:p>
+            <a:pPr marL="457200" indent="-457200">
+              <a:buFont typeface="+mj-lt"/>
+              <a:buAutoNum type="arabicPeriod"/>
+            </a:pPr>
+            <a:r>
+              <a:rPr lang="nl-BE" sz="2800" dirty="0" err="1" smtClean="0">
+                <a:ea typeface="Dotum" panose="020B0600000101010101" pitchFamily="34" charset="-127"/>
+              </a:rPr>
+              <a:t>Init</a:t>
+            </a:r>
+            <a:endParaRPr lang="nl-BE" sz="2800" dirty="0" smtClean="0">
+              <a:ea typeface="Dotum" panose="020B0600000101010101" pitchFamily="34" charset="-127"/>
+            </a:endParaRPr>
+          </a:p>
+          <a:p>
+            <a:pPr marL="514350" indent="-514350">
+              <a:buFont typeface="+mj-lt"/>
+              <a:buAutoNum type="arabicPeriod"/>
+            </a:pPr>
+            <a:r>
+              <a:rPr lang="nl-BE" sz="2800" dirty="0" smtClean="0">
+                <a:ea typeface="Dotum" panose="020B0600000101010101" pitchFamily="34" charset="-127"/>
+              </a:rPr>
+              <a:t>Elk gesimuleerd pakket itereren</a:t>
+            </a:r>
+          </a:p>
+          <a:p>
+            <a:pPr marL="514350" indent="-514350">
+              <a:buFont typeface="+mj-lt"/>
+              <a:buAutoNum type="arabicPeriod"/>
+            </a:pPr>
+            <a:r>
+              <a:rPr lang="nl-BE" sz="2800" dirty="0" smtClean="0">
+                <a:ea typeface="Dotum" panose="020B0600000101010101" pitchFamily="34" charset="-127"/>
+              </a:rPr>
+              <a:t>Voor elk pakket wordt geanalyseerd</a:t>
+            </a:r>
+          </a:p>
+          <a:p>
+            <a:pPr marL="971550" lvl="1" indent="-514350">
+              <a:buFont typeface="+mj-lt"/>
+              <a:buAutoNum type="arabicPeriod"/>
+            </a:pPr>
+            <a:r>
+              <a:rPr lang="nl-BE" sz="2800" dirty="0" smtClean="0">
+                <a:ea typeface="Dotum" panose="020B0600000101010101" pitchFamily="34" charset="-127"/>
+              </a:rPr>
+              <a:t>Locatie</a:t>
+            </a:r>
+          </a:p>
+          <a:p>
+            <a:pPr marL="1428750" lvl="2" indent="-514350">
+              <a:buFont typeface="+mj-lt"/>
+              <a:buAutoNum type="arabicPeriod"/>
+            </a:pPr>
+            <a:r>
+              <a:rPr lang="nl-BE" sz="2800" dirty="0" smtClean="0">
+                <a:ea typeface="Dotum" panose="020B0600000101010101" pitchFamily="34" charset="-127"/>
+              </a:rPr>
+              <a:t>Statische lijst geblokkeerde landen</a:t>
+            </a:r>
+          </a:p>
+          <a:p>
+            <a:pPr marL="1428750" lvl="2" indent="-514350">
+              <a:buFont typeface="+mj-lt"/>
+              <a:buAutoNum type="arabicPeriod"/>
+            </a:pPr>
+            <a:r>
+              <a:rPr lang="nl-BE" sz="2800" dirty="0" smtClean="0">
+                <a:ea typeface="Dotum" panose="020B0600000101010101" pitchFamily="34" charset="-127"/>
+              </a:rPr>
+              <a:t>Land dat niet voorkomt in profile</a:t>
+            </a:r>
+          </a:p>
+          <a:p>
+            <a:pPr marL="1428750" lvl="2" indent="-514350">
+              <a:buFont typeface="+mj-lt"/>
+              <a:buAutoNum type="arabicPeriod"/>
+            </a:pPr>
+            <a:r>
+              <a:rPr lang="nl-BE" sz="2800" dirty="0" smtClean="0">
+                <a:ea typeface="Dotum" panose="020B0600000101010101" pitchFamily="34" charset="-127"/>
+              </a:rPr>
+              <a:t>Afwijkende ratio </a:t>
+            </a:r>
+            <a:r>
+              <a:rPr lang="nl-BE" sz="2800" dirty="0" err="1" smtClean="0">
+                <a:ea typeface="Dotum" panose="020B0600000101010101" pitchFamily="34" charset="-127"/>
+              </a:rPr>
+              <a:t>tov</a:t>
+            </a:r>
+            <a:r>
+              <a:rPr lang="nl-BE" sz="2800" dirty="0" smtClean="0">
+                <a:ea typeface="Dotum" panose="020B0600000101010101" pitchFamily="34" charset="-127"/>
+              </a:rPr>
+              <a:t> profile</a:t>
+            </a:r>
+          </a:p>
+          <a:p>
+            <a:pPr marL="971550" lvl="1" indent="-514350">
+              <a:buFont typeface="+mj-lt"/>
+              <a:buAutoNum type="arabicPeriod"/>
+            </a:pPr>
+            <a:r>
+              <a:rPr lang="nl-BE" sz="2800" dirty="0" smtClean="0">
+                <a:ea typeface="Dotum" panose="020B0600000101010101" pitchFamily="34" charset="-127"/>
+              </a:rPr>
+              <a:t>Tijd</a:t>
+            </a:r>
+          </a:p>
+          <a:p>
+            <a:pPr marL="1428750" lvl="2" indent="-514350">
+              <a:buFont typeface="+mj-lt"/>
+              <a:buAutoNum type="arabicPeriod"/>
+            </a:pPr>
+            <a:r>
+              <a:rPr lang="nl-BE" sz="2800" dirty="0" smtClean="0">
+                <a:ea typeface="Dotum" panose="020B0600000101010101" pitchFamily="34" charset="-127"/>
+              </a:rPr>
+              <a:t>Aantal connecties per dag per pagina wijkt af (</a:t>
+            </a:r>
+            <a:r>
+              <a:rPr lang="nl-BE" sz="2800" dirty="0" err="1" smtClean="0">
+                <a:ea typeface="Dotum" panose="020B0600000101010101" pitchFamily="34" charset="-127"/>
+              </a:rPr>
+              <a:t>threshold</a:t>
+            </a:r>
+            <a:r>
+              <a:rPr lang="nl-BE" sz="2800" dirty="0" smtClean="0">
+                <a:ea typeface="Dotum" panose="020B0600000101010101" pitchFamily="34" charset="-127"/>
+              </a:rPr>
+              <a:t>)</a:t>
+            </a:r>
+            <a:endParaRPr lang="nl-BE" sz="2800" dirty="0">
+              <a:ea typeface="Dotum" panose="020B0600000101010101" pitchFamily="34" charset="-127"/>
+            </a:endParaRPr>
+          </a:p>
+        </p:txBody>
+      </p:sp>
+    </p:spTree>
+    <p:extLst>
+      <p:ext uri="{BB962C8B-B14F-4D97-AF65-F5344CB8AC3E}">
+        <p14:creationId xmlns:p14="http://schemas.microsoft.com/office/powerpoint/2010/main" val="2756168405"/>
+      </p:ext>
+    </p:extLst>
+  </p:cSld>
+  <p:clrMapOvr>
+    <a:masterClrMapping/>
+  </p:clrMapOvr>
+  <p:timing>
+    <p:tnLst>
+      <p:par>
+        <p:cTn id="1" dur="indefinite" restart="never" nodeType="tmRoot"/>
+      </p:par>
+    </p:tnLst>
+  </p:timing>
+</p:sld>
+</file>
+
+<file path=ppt/slides/slide12.xml><?xml version="1.0" encoding="utf-8"?>
+<p:sld xmlns:a="http://schemas.openxmlformats.org/drawingml/2006/main" xmlns:r="http://schemas.openxmlformats.org/officeDocument/2006/relationships" xmlns:p="http://schemas.openxmlformats.org/presentationml/2006/main">
+  <p:cSld>
+    <p:spTree>
+      <p:nvGrpSpPr>
+        <p:cNvPr id="1" name=""/>
+        <p:cNvGrpSpPr/>
+        <p:nvPr/>
+      </p:nvGrpSpPr>
+      <p:grpSpPr>
+        <a:xfrm>
+          <a:off x="0" y="0"/>
+          <a:ext cx="0" cy="0"/>
+          <a:chOff x="0" y="0"/>
+          <a:chExt cx="0" cy="0"/>
+        </a:xfrm>
+      </p:grpSpPr>
+      <p:pic>
+        <p:nvPicPr>
+          <p:cNvPr id="2" name="Picture 1"/>
+          <p:cNvPicPr>
+            <a:picLocks noChangeAspect="1"/>
+          </p:cNvPicPr>
+          <p:nvPr/>
+        </p:nvPicPr>
+        <p:blipFill>
+          <a:blip r:embed="rId2">
+            <a:extLst>
+              <a:ext uri="{28A0092B-C50C-407E-A947-70E740481C1C}">
+                <a14:useLocalDpi xmlns:a14="http://schemas.microsoft.com/office/drawing/2010/main" val="0"/>
+              </a:ext>
+            </a:extLst>
+          </a:blip>
+          <a:stretch>
+            <a:fillRect/>
+          </a:stretch>
+        </p:blipFill>
+        <p:spPr>
+          <a:xfrm>
+            <a:off x="2845810" y="681350"/>
+            <a:ext cx="6500380" cy="5495301"/>
+          </a:xfrm>
+          <a:prstGeom prst="rect">
+            <a:avLst/>
+          </a:prstGeom>
+        </p:spPr>
+      </p:pic>
+      <p:sp>
+        <p:nvSpPr>
+          <p:cNvPr id="3" name="Rectangle 2"/>
+          <p:cNvSpPr/>
+          <p:nvPr/>
+        </p:nvSpPr>
+        <p:spPr>
+          <a:xfrm>
+            <a:off x="4291445" y="1839191"/>
+            <a:ext cx="498764" cy="301336"/>
+          </a:xfrm>
+          <a:prstGeom prst="rect">
+            <a:avLst/>
+          </a:prstGeom>
+          <a:solidFill>
+            <a:schemeClr val="bg1"/>
+          </a:solidFill>
+          <a:ln>
+            <a:noFill/>
+          </a:ln>
+        </p:spPr>
+        <p:style>
+          <a:lnRef idx="2">
+            <a:schemeClr val="accent1">
+              <a:shade val="50000"/>
+            </a:schemeClr>
+          </a:lnRef>
+          <a:fillRef idx="1">
+            <a:schemeClr val="accent1"/>
+          </a:fillRef>
+          <a:effectRef idx="0">
+            <a:schemeClr val="accent1"/>
+          </a:effectRef>
+          <a:fontRef idx="minor">
+            <a:schemeClr val="lt1"/>
+          </a:fontRef>
+        </p:style>
+        <p:txBody>
+          <a:bodyPr rtlCol="0" anchor="ctr"/>
+          <a:lstStyle/>
+          <a:p>
+            <a:pPr algn="ctr"/>
+            <a:endParaRPr lang="nl-BE"/>
+          </a:p>
+        </p:txBody>
+      </p:sp>
+    </p:spTree>
+    <p:extLst>
+      <p:ext uri="{BB962C8B-B14F-4D97-AF65-F5344CB8AC3E}">
+        <p14:creationId xmlns:p14="http://schemas.microsoft.com/office/powerpoint/2010/main" val="3982319175"/>
+      </p:ext>
+    </p:extLst>
+  </p:cSld>
+  <p:clrMapOvr>
+    <a:masterClrMapping/>
+  </p:clrMapOvr>
+  <p:timing>
+    <p:tnLst>
+      <p:par>
+        <p:cTn id="1" dur="indefinite" restart="never" nodeType="tmRoot"/>
+      </p:par>
+    </p:tnLst>
+  </p:timing>
+</p:sld>
+</file>
+
+<file path=ppt/slides/slide13.xml><?xml version="1.0" encoding="utf-8"?>
+<p:sld xmlns:a="http://schemas.openxmlformats.org/drawingml/2006/main" xmlns:r="http://schemas.openxmlformats.org/officeDocument/2006/relationships" xmlns:p="http://schemas.openxmlformats.org/presentationml/2006/main">
+  <p:cSld>
+    <p:spTree>
+      <p:nvGrpSpPr>
+        <p:cNvPr id="1" name=""/>
+        <p:cNvGrpSpPr/>
+        <p:nvPr/>
+      </p:nvGrpSpPr>
+      <p:grpSpPr>
+        <a:xfrm>
+          <a:off x="0" y="0"/>
+          <a:ext cx="0" cy="0"/>
+          <a:chOff x="0" y="0"/>
+          <a:chExt cx="0" cy="0"/>
+        </a:xfrm>
+      </p:grpSpPr>
+      <p:pic>
+        <p:nvPicPr>
+          <p:cNvPr id="2" name="Picture 1"/>
+          <p:cNvPicPr>
+            <a:picLocks noChangeAspect="1"/>
+          </p:cNvPicPr>
+          <p:nvPr/>
+        </p:nvPicPr>
+        <p:blipFill>
+          <a:blip r:embed="rId2">
+            <a:extLst>
+              <a:ext uri="{28A0092B-C50C-407E-A947-70E740481C1C}">
+                <a14:useLocalDpi xmlns:a14="http://schemas.microsoft.com/office/drawing/2010/main" val="0"/>
+              </a:ext>
+            </a:extLst>
+          </a:blip>
+          <a:stretch>
+            <a:fillRect/>
+          </a:stretch>
+        </p:blipFill>
+        <p:spPr>
+          <a:xfrm>
+            <a:off x="6904760" y="769985"/>
+            <a:ext cx="3674918" cy="5318030"/>
+          </a:xfrm>
+          <a:prstGeom prst="rect">
+            <a:avLst/>
+          </a:prstGeom>
+        </p:spPr>
+      </p:pic>
+      <p:pic>
+        <p:nvPicPr>
+          <p:cNvPr id="3" name="Picture 2"/>
+          <p:cNvPicPr>
+            <a:picLocks noChangeAspect="1"/>
+          </p:cNvPicPr>
+          <p:nvPr/>
+        </p:nvPicPr>
+        <p:blipFill>
+          <a:blip r:embed="rId3">
+            <a:extLst>
+              <a:ext uri="{28A0092B-C50C-407E-A947-70E740481C1C}">
+                <a14:useLocalDpi xmlns:a14="http://schemas.microsoft.com/office/drawing/2010/main" val="0"/>
+              </a:ext>
+            </a:extLst>
+          </a:blip>
+          <a:stretch>
+            <a:fillRect/>
+          </a:stretch>
+        </p:blipFill>
+        <p:spPr>
+          <a:xfrm>
+            <a:off x="1612323" y="769985"/>
+            <a:ext cx="3674918" cy="5318030"/>
+          </a:xfrm>
+          <a:prstGeom prst="rect">
+            <a:avLst/>
+          </a:prstGeom>
+        </p:spPr>
+      </p:pic>
+      <p:sp>
+        <p:nvSpPr>
+          <p:cNvPr id="6" name="Rectangle 5"/>
+          <p:cNvSpPr/>
+          <p:nvPr/>
+        </p:nvSpPr>
+        <p:spPr>
+          <a:xfrm>
+            <a:off x="8988136" y="4291446"/>
+            <a:ext cx="498764" cy="301336"/>
+          </a:xfrm>
+          <a:prstGeom prst="rect">
+            <a:avLst/>
+          </a:prstGeom>
+          <a:solidFill>
+            <a:schemeClr val="bg1"/>
+          </a:solidFill>
+          <a:ln>
+            <a:noFill/>
+          </a:ln>
+        </p:spPr>
+        <p:style>
+          <a:lnRef idx="2">
+            <a:schemeClr val="accent1">
+              <a:shade val="50000"/>
+            </a:schemeClr>
+          </a:lnRef>
+          <a:fillRef idx="1">
+            <a:schemeClr val="accent1"/>
+          </a:fillRef>
+          <a:effectRef idx="0">
+            <a:schemeClr val="accent1"/>
+          </a:effectRef>
+          <a:fontRef idx="minor">
+            <a:schemeClr val="lt1"/>
+          </a:fontRef>
+        </p:style>
+        <p:txBody>
+          <a:bodyPr rtlCol="0" anchor="ctr"/>
+          <a:lstStyle/>
+          <a:p>
+            <a:pPr algn="ctr"/>
+            <a:endParaRPr lang="nl-BE"/>
+          </a:p>
+        </p:txBody>
+      </p:sp>
+    </p:spTree>
+    <p:extLst>
+      <p:ext uri="{BB962C8B-B14F-4D97-AF65-F5344CB8AC3E}">
+        <p14:creationId xmlns:p14="http://schemas.microsoft.com/office/powerpoint/2010/main" val="345110685"/>
+      </p:ext>
+    </p:extLst>
+  </p:cSld>
+  <p:clrMapOvr>
+    <a:masterClrMapping/>
+  </p:clrMapOvr>
+  <p:timing>
+    <p:tnLst>
+      <p:par>
+        <p:cTn id="1" dur="indefinite" restart="never" nodeType="tmRoot"/>
+      </p:par>
+    </p:tnLst>
+  </p:timing>
+</p:sld>
+</file>
+
+<file path=ppt/slides/slide2.xml><?xml version="1.0" encoding="utf-8"?>
+<p:sld xmlns:a="http://schemas.openxmlformats.org/drawingml/2006/main" xmlns:r="http://schemas.openxmlformats.org/officeDocument/2006/relationships" xmlns:p="http://schemas.openxmlformats.org/presentationml/2006/main">
+  <p:cSld>
+    <p:spTree>
+      <p:nvGrpSpPr>
+        <p:cNvPr id="1" name=""/>
+        <p:cNvGrpSpPr/>
+        <p:nvPr/>
+      </p:nvGrpSpPr>
+      <p:grpSpPr>
+        <a:xfrm>
+          <a:off x="0" y="0"/>
+          <a:ext cx="0" cy="0"/>
+          <a:chOff x="0" y="0"/>
+          <a:chExt cx="0" cy="0"/>
+        </a:xfrm>
+      </p:grpSpPr>
       <p:graphicFrame>
         <p:nvGraphicFramePr>
           <p:cNvPr id="4" name="Diagram 3"/>
@@ -6536,205 +7141,7 @@
 </p:sld>
 </file>
 
-<file path=ppt/slides/slide10.xml><?xml version="1.0" encoding="utf-8"?>
-<p:sld xmlns:a="http://schemas.openxmlformats.org/drawingml/2006/main" xmlns:r="http://schemas.openxmlformats.org/officeDocument/2006/relationships" xmlns:p="http://schemas.openxmlformats.org/presentationml/2006/main">
-  <p:cSld>
-    <p:spTree>
-      <p:nvGrpSpPr>
-        <p:cNvPr id="1" name=""/>
-        <p:cNvGrpSpPr/>
-        <p:nvPr/>
-      </p:nvGrpSpPr>
-      <p:grpSpPr>
-        <a:xfrm>
-          <a:off x="0" y="0"/>
-          <a:ext cx="0" cy="0"/>
-          <a:chOff x="0" y="0"/>
-          <a:chExt cx="0" cy="0"/>
-        </a:xfrm>
-      </p:grpSpPr>
-      <p:sp>
-        <p:nvSpPr>
-          <p:cNvPr id="4" name="TextBox 3"/>
-          <p:cNvSpPr txBox="1"/>
-          <p:nvPr/>
-        </p:nvSpPr>
-        <p:spPr>
-          <a:xfrm>
-            <a:off x="1169935" y="1443841"/>
-            <a:ext cx="9852130" cy="3970318"/>
-          </a:xfrm>
-          <a:prstGeom prst="rect">
-            <a:avLst/>
-          </a:prstGeom>
-          <a:noFill/>
-        </p:spPr>
-        <p:txBody>
-          <a:bodyPr wrap="square" rtlCol="0">
-            <a:spAutoFit/>
-          </a:bodyPr>
-          <a:lstStyle/>
-          <a:p>
-            <a:pPr marL="457200" indent="-457200">
-              <a:buFont typeface="+mj-lt"/>
-              <a:buAutoNum type="arabicPeriod"/>
-            </a:pPr>
-            <a:r>
-              <a:rPr lang="nl-BE" sz="2800" dirty="0" err="1" smtClean="0">
-                <a:ea typeface="Dotum" panose="020B0600000101010101" pitchFamily="34" charset="-127"/>
-              </a:rPr>
-              <a:t>Init</a:t>
-            </a:r>
-            <a:endParaRPr lang="nl-BE" sz="2800" dirty="0" smtClean="0">
-              <a:ea typeface="Dotum" panose="020B0600000101010101" pitchFamily="34" charset="-127"/>
-            </a:endParaRPr>
-          </a:p>
-          <a:p>
-            <a:pPr marL="514350" indent="-514350">
-              <a:buFont typeface="+mj-lt"/>
-              <a:buAutoNum type="arabicPeriod"/>
-            </a:pPr>
-            <a:r>
-              <a:rPr lang="nl-BE" sz="2800" dirty="0" smtClean="0">
-                <a:ea typeface="Dotum" panose="020B0600000101010101" pitchFamily="34" charset="-127"/>
-              </a:rPr>
-              <a:t>Elk gesimuleerd pakket itereren</a:t>
-            </a:r>
-          </a:p>
-          <a:p>
-            <a:pPr marL="514350" indent="-514350">
-              <a:buFont typeface="+mj-lt"/>
-              <a:buAutoNum type="arabicPeriod"/>
-            </a:pPr>
-            <a:r>
-              <a:rPr lang="nl-BE" sz="2800" dirty="0" smtClean="0">
-                <a:ea typeface="Dotum" panose="020B0600000101010101" pitchFamily="34" charset="-127"/>
-              </a:rPr>
-              <a:t>Voor elk pakket wordt geanalyseerd</a:t>
-            </a:r>
-          </a:p>
-          <a:p>
-            <a:pPr marL="971550" lvl="1" indent="-514350">
-              <a:buFont typeface="+mj-lt"/>
-              <a:buAutoNum type="arabicPeriod"/>
-            </a:pPr>
-            <a:r>
-              <a:rPr lang="nl-BE" sz="2800" dirty="0" smtClean="0">
-                <a:ea typeface="Dotum" panose="020B0600000101010101" pitchFamily="34" charset="-127"/>
-              </a:rPr>
-              <a:t>Locatie</a:t>
-            </a:r>
-          </a:p>
-          <a:p>
-            <a:pPr marL="1428750" lvl="2" indent="-514350">
-              <a:buFont typeface="+mj-lt"/>
-              <a:buAutoNum type="arabicPeriod"/>
-            </a:pPr>
-            <a:r>
-              <a:rPr lang="nl-BE" sz="2800" dirty="0" smtClean="0">
-                <a:ea typeface="Dotum" panose="020B0600000101010101" pitchFamily="34" charset="-127"/>
-              </a:rPr>
-              <a:t>Statische lijst geblokkeerde landen</a:t>
-            </a:r>
-          </a:p>
-          <a:p>
-            <a:pPr marL="1428750" lvl="2" indent="-514350">
-              <a:buFont typeface="+mj-lt"/>
-              <a:buAutoNum type="arabicPeriod"/>
-            </a:pPr>
-            <a:r>
-              <a:rPr lang="nl-BE" sz="2800" dirty="0" smtClean="0">
-                <a:ea typeface="Dotum" panose="020B0600000101010101" pitchFamily="34" charset="-127"/>
-              </a:rPr>
-              <a:t>Land dat niet voorkomt in profile</a:t>
-            </a:r>
-          </a:p>
-          <a:p>
-            <a:pPr marL="1428750" lvl="2" indent="-514350">
-              <a:buFont typeface="+mj-lt"/>
-              <a:buAutoNum type="arabicPeriod"/>
-            </a:pPr>
-            <a:r>
-              <a:rPr lang="nl-BE" sz="2800" dirty="0" smtClean="0">
-                <a:ea typeface="Dotum" panose="020B0600000101010101" pitchFamily="34" charset="-127"/>
-              </a:rPr>
-              <a:t>Afwijkende ratio </a:t>
-            </a:r>
-            <a:r>
-              <a:rPr lang="nl-BE" sz="2800" dirty="0" err="1" smtClean="0">
-                <a:ea typeface="Dotum" panose="020B0600000101010101" pitchFamily="34" charset="-127"/>
-              </a:rPr>
-              <a:t>tov</a:t>
-            </a:r>
-            <a:r>
-              <a:rPr lang="nl-BE" sz="2800" dirty="0" smtClean="0">
-                <a:ea typeface="Dotum" panose="020B0600000101010101" pitchFamily="34" charset="-127"/>
-              </a:rPr>
-              <a:t> profile</a:t>
-            </a:r>
-          </a:p>
-          <a:p>
-            <a:pPr marL="971550" lvl="1" indent="-514350">
-              <a:buFont typeface="+mj-lt"/>
-              <a:buAutoNum type="arabicPeriod"/>
-            </a:pPr>
-            <a:r>
-              <a:rPr lang="nl-BE" sz="2800" dirty="0" smtClean="0">
-                <a:ea typeface="Dotum" panose="020B0600000101010101" pitchFamily="34" charset="-127"/>
-              </a:rPr>
-              <a:t>Tijd</a:t>
-            </a:r>
-          </a:p>
-          <a:p>
-            <a:pPr marL="1428750" lvl="2" indent="-514350">
-              <a:buFont typeface="+mj-lt"/>
-              <a:buAutoNum type="arabicPeriod"/>
-            </a:pPr>
-            <a:r>
-              <a:rPr lang="nl-BE" sz="2800" dirty="0" smtClean="0">
-                <a:ea typeface="Dotum" panose="020B0600000101010101" pitchFamily="34" charset="-127"/>
-              </a:rPr>
-              <a:t>Aantal connecties per dag per pagina wijkt af (</a:t>
-            </a:r>
-            <a:r>
-              <a:rPr lang="nl-BE" sz="2800" dirty="0" err="1" smtClean="0">
-                <a:ea typeface="Dotum" panose="020B0600000101010101" pitchFamily="34" charset="-127"/>
-              </a:rPr>
-              <a:t>threshold</a:t>
-            </a:r>
-            <a:r>
-              <a:rPr lang="nl-BE" sz="2800" dirty="0" smtClean="0">
-                <a:ea typeface="Dotum" panose="020B0600000101010101" pitchFamily="34" charset="-127"/>
-              </a:rPr>
-              <a:t>)</a:t>
-            </a:r>
-            <a:endParaRPr lang="nl-BE" sz="2800" dirty="0">
-              <a:ea typeface="Dotum" panose="020B0600000101010101" pitchFamily="34" charset="-127"/>
-            </a:endParaRPr>
-          </a:p>
-        </p:txBody>
-      </p:sp>
-    </p:spTree>
-    <p:extLst>
-      <p:ext uri="{BB962C8B-B14F-4D97-AF65-F5344CB8AC3E}">
-        <p14:creationId xmlns:p14="http://schemas.microsoft.com/office/powerpoint/2010/main" val="2756168405"/>
-      </p:ext>
-    </p:extLst>
-  </p:cSld>
-  <p:clrMapOvr>
-    <a:masterClrMapping/>
-  </p:clrMapOvr>
-  <p:timing>
-    <p:tnLst>
-      <p:par>
-        <p:cTn id="1" dur="indefinite" restart="never" nodeType="tmRoot"/>
-      </p:par>
-    </p:tnLst>
-  </p:timing>
-</p:sld>
-</file>
-
-<file path=ppt/slides/slide2.xml><?xml version="1.0" encoding="utf-8"?>
+<file path=ppt/slides/slide3.xml><?xml version="1.0" encoding="utf-8"?>
 <p:sld xmlns:a="http://schemas.openxmlformats.org/drawingml/2006/main" xmlns:r="http://schemas.openxmlformats.org/officeDocument/2006/relationships" xmlns:p="http://schemas.openxmlformats.org/presentationml/2006/main">
   <p:cSld>
     <p:spTree>
@@ -6807,7 +7214,7 @@
 </p:sld>
 </file>
 
-<file path=ppt/slides/slide3.xml><?xml version="1.0" encoding="utf-8"?>
+<file path=ppt/slides/slide4.xml><?xml version="1.0" encoding="utf-8"?>
 <p:sld xmlns:a="http://schemas.openxmlformats.org/drawingml/2006/main" xmlns:r="http://schemas.openxmlformats.org/officeDocument/2006/relationships" xmlns:p="http://schemas.openxmlformats.org/presentationml/2006/main">
   <p:cSld>
     <p:spTree>
@@ -6910,9 +7317,6 @@
               </a:rPr>
               <a:t> starten</a:t>
             </a:r>
-            <a:endParaRPr lang="nl-BE" sz="2800" dirty="0" smtClean="0">
-              <a:ea typeface="Dotum" panose="020B0600000101010101" pitchFamily="34" charset="-127"/>
-            </a:endParaRPr>
           </a:p>
           <a:p>
             <a:pPr marL="514350" indent="-514350">
@@ -6994,9 +7398,6 @@
               </a:rPr>
               <a:t>Line parsen naar object</a:t>
             </a:r>
-            <a:endParaRPr lang="nl-BE" sz="2800" dirty="0" smtClean="0">
-              <a:ea typeface="Dotum" panose="020B0600000101010101" pitchFamily="34" charset="-127"/>
-            </a:endParaRPr>
           </a:p>
           <a:p>
             <a:pPr marL="514350" indent="-514350">
@@ -7089,7 +7490,7 @@
 </p:sld>
 </file>
 
-<file path=ppt/slides/slide4.xml><?xml version="1.0" encoding="utf-8"?>
+<file path=ppt/slides/slide5.xml><?xml version="1.0" encoding="utf-8"?>
 <p:sld xmlns:a="http://schemas.openxmlformats.org/drawingml/2006/main" xmlns:r="http://schemas.openxmlformats.org/officeDocument/2006/relationships" xmlns:p="http://schemas.openxmlformats.org/presentationml/2006/main">
   <p:cSld>
     <p:spTree>
@@ -7185,7 +7586,7 @@
 </p:sld>
 </file>
 
-<file path=ppt/slides/slide5.xml><?xml version="1.0" encoding="utf-8"?>
+<file path=ppt/slides/slide6.xml><?xml version="1.0" encoding="utf-8"?>
 <p:sld xmlns:a="http://schemas.openxmlformats.org/drawingml/2006/main" xmlns:r="http://schemas.openxmlformats.org/officeDocument/2006/relationships" xmlns:p="http://schemas.openxmlformats.org/presentationml/2006/main">
   <p:cSld>
     <p:spTree>
@@ -7258,7 +7659,7 @@
 </p:sld>
 </file>
 
-<file path=ppt/slides/slide6.xml><?xml version="1.0" encoding="utf-8"?>
+<file path=ppt/slides/slide7.xml><?xml version="1.0" encoding="utf-8"?>
 <p:sld xmlns:a="http://schemas.openxmlformats.org/drawingml/2006/main" xmlns:r="http://schemas.openxmlformats.org/officeDocument/2006/relationships" xmlns:p="http://schemas.openxmlformats.org/presentationml/2006/main">
   <p:cSld>
     <p:spTree>
@@ -7354,7 +7755,7 @@
 </p:sld>
 </file>
 
-<file path=ppt/slides/slide7.xml><?xml version="1.0" encoding="utf-8"?>
+<file path=ppt/slides/slide8.xml><?xml version="1.0" encoding="utf-8"?>
 <p:sld xmlns:a="http://schemas.openxmlformats.org/drawingml/2006/main" xmlns:r="http://schemas.openxmlformats.org/officeDocument/2006/relationships" xmlns:p="http://schemas.openxmlformats.org/presentationml/2006/main">
   <p:cSld>
     <p:spTree>
@@ -7452,7 +7853,7 @@
 </p:sld>
 </file>
 
-<file path=ppt/slides/slide8.xml><?xml version="1.0" encoding="utf-8"?>
+<file path=ppt/slides/slide9.xml><?xml version="1.0" encoding="utf-8"?>
 <p:sld xmlns:a="http://schemas.openxmlformats.org/drawingml/2006/main" xmlns:r="http://schemas.openxmlformats.org/officeDocument/2006/relationships" xmlns:p="http://schemas.openxmlformats.org/presentationml/2006/main">
   <p:cSld>
     <p:spTree>
@@ -7600,9 +8001,6 @@
               </a:rPr>
               <a:t>Wel bestaat: connectie toevoegen aan record</a:t>
             </a:r>
-            <a:endParaRPr lang="nl-BE" sz="2800" dirty="0" smtClean="0">
-              <a:ea typeface="Dotum" panose="020B0600000101010101" pitchFamily="34" charset="-127"/>
-            </a:endParaRPr>
           </a:p>
           <a:p>
             <a:pPr marL="514350" indent="-514350">
@@ -7691,80 +8089,6 @@
     <p:extLst>
       <p:ext uri="{BB962C8B-B14F-4D97-AF65-F5344CB8AC3E}">
         <p14:creationId xmlns:p14="http://schemas.microsoft.com/office/powerpoint/2010/main" val="1169582739"/>
-      </p:ext>
-    </p:extLst>
-  </p:cSld>
-  <p:clrMapOvr>
-    <a:masterClrMapping/>
-  </p:clrMapOvr>
-  <p:timing>
-    <p:tnLst>
-      <p:par>
-        <p:cTn id="1" dur="indefinite" restart="never" nodeType="tmRoot"/>
-      </p:par>
-    </p:tnLst>
-  </p:timing>
-</p:sld>
-</file>
-
-<file path=ppt/slides/slide9.xml><?xml version="1.0" encoding="utf-8"?>
-<p:sld xmlns:a="http://schemas.openxmlformats.org/drawingml/2006/main" xmlns:r="http://schemas.openxmlformats.org/officeDocument/2006/relationships" xmlns:p="http://schemas.openxmlformats.org/presentationml/2006/main">
-  <p:cSld>
-    <p:spTree>
-      <p:nvGrpSpPr>
-        <p:cNvPr id="1" name=""/>
-        <p:cNvGrpSpPr/>
-        <p:nvPr/>
-      </p:nvGrpSpPr>
-      <p:grpSpPr>
-        <a:xfrm>
-          <a:off x="0" y="0"/>
-          <a:ext cx="0" cy="0"/>
-          <a:chOff x="0" y="0"/>
-          <a:chExt cx="0" cy="0"/>
-        </a:xfrm>
-      </p:grpSpPr>
-      <p:sp>
-        <p:nvSpPr>
-          <p:cNvPr id="4" name="TextBox 3"/>
-          <p:cNvSpPr txBox="1"/>
-          <p:nvPr/>
-        </p:nvSpPr>
-        <p:spPr>
-          <a:xfrm>
-            <a:off x="0" y="2613392"/>
-            <a:ext cx="12192000" cy="1631216"/>
-          </a:xfrm>
-          <a:prstGeom prst="rect">
-            <a:avLst/>
-          </a:prstGeom>
-          <a:noFill/>
-        </p:spPr>
-        <p:txBody>
-          <a:bodyPr wrap="square" rtlCol="0">
-            <a:spAutoFit/>
-          </a:bodyPr>
-          <a:lstStyle/>
-          <a:p>
-            <a:pPr algn="ctr"/>
-            <a:r>
-              <a:rPr lang="nl-BE" sz="10000" dirty="0" smtClean="0">
-                <a:latin typeface="Dotum" panose="020B0600000101010101" pitchFamily="34" charset="-127"/>
-                <a:ea typeface="Dotum" panose="020B0600000101010101" pitchFamily="34" charset="-127"/>
-              </a:rPr>
-              <a:t>Firewall</a:t>
-            </a:r>
-            <a:endParaRPr lang="nl-BE" sz="10000" dirty="0">
-              <a:latin typeface="Dotum" panose="020B0600000101010101" pitchFamily="34" charset="-127"/>
-              <a:ea typeface="Dotum" panose="020B0600000101010101" pitchFamily="34" charset="-127"/>
-            </a:endParaRPr>
-          </a:p>
-        </p:txBody>
-      </p:sp>
-    </p:spTree>
-    <p:extLst>
-      <p:ext uri="{BB962C8B-B14F-4D97-AF65-F5344CB8AC3E}">
-        <p14:creationId xmlns:p14="http://schemas.microsoft.com/office/powerpoint/2010/main" val="3091420239"/>
       </p:ext>
     </p:extLst>
   </p:cSld>
